--- a/Final_project/책에있는표.pptx
+++ b/Final_project/책에있는표.pptx
@@ -7,9 +7,10 @@
   <p:sldIdLst>
     <p:sldId id="256" r:id="rId2"/>
     <p:sldId id="257" r:id="rId3"/>
-    <p:sldId id="258" r:id="rId4"/>
-    <p:sldId id="259" r:id="rId5"/>
-    <p:sldId id="260" r:id="rId6"/>
+    <p:sldId id="261" r:id="rId4"/>
+    <p:sldId id="258" r:id="rId5"/>
+    <p:sldId id="259" r:id="rId6"/>
+    <p:sldId id="260" r:id="rId7"/>
   </p:sldIdLst>
   <p:sldSz cx="9144000" cy="6858000" type="screen4x3"/>
   <p:notesSz cx="6858000" cy="9144000"/>
@@ -108,6 +109,22 @@
       </a:defRPr>
     </a:lvl9pPr>
   </p:defaultTextStyle>
+  <p:extLst>
+    <p:ext uri="{EFAFB233-063F-42B5-8137-9DF3F51BA10A}">
+      <p15:sldGuideLst xmlns:p15="http://schemas.microsoft.com/office/powerpoint/2012/main">
+        <p15:guide id="1" orient="horz" pos="2160">
+          <p15:clr>
+            <a:srgbClr val="A4A3A4"/>
+          </p15:clr>
+        </p15:guide>
+        <p15:guide id="2" pos="2880">
+          <p15:clr>
+            <a:srgbClr val="A4A3A4"/>
+          </p15:clr>
+        </p15:guide>
+      </p15:sldGuideLst>
+    </p:ext>
+  </p:extLst>
 </p:presentation>
 </file>
 
@@ -292,7 +309,7 @@
           <a:p>
             <a:fld id="{7C101D62-4B58-4FD6-9D62-522A6315118F}" type="datetimeFigureOut">
               <a:rPr lang="ko-KR" altLang="en-US" smtClean="0"/>
-              <a:t>2019-10-31</a:t>
+              <a:t>2019-11-03</a:t>
             </a:fld>
             <a:endParaRPr lang="ko-KR" altLang="en-US"/>
           </a:p>
@@ -462,7 +479,7 @@
           <a:p>
             <a:fld id="{7C101D62-4B58-4FD6-9D62-522A6315118F}" type="datetimeFigureOut">
               <a:rPr lang="ko-KR" altLang="en-US" smtClean="0"/>
-              <a:t>2019-10-31</a:t>
+              <a:t>2019-11-03</a:t>
             </a:fld>
             <a:endParaRPr lang="ko-KR" altLang="en-US"/>
           </a:p>
@@ -642,7 +659,7 @@
           <a:p>
             <a:fld id="{7C101D62-4B58-4FD6-9D62-522A6315118F}" type="datetimeFigureOut">
               <a:rPr lang="ko-KR" altLang="en-US" smtClean="0"/>
-              <a:t>2019-10-31</a:t>
+              <a:t>2019-11-03</a:t>
             </a:fld>
             <a:endParaRPr lang="ko-KR" altLang="en-US"/>
           </a:p>
@@ -812,7 +829,7 @@
           <a:p>
             <a:fld id="{7C101D62-4B58-4FD6-9D62-522A6315118F}" type="datetimeFigureOut">
               <a:rPr lang="ko-KR" altLang="en-US" smtClean="0"/>
-              <a:t>2019-10-31</a:t>
+              <a:t>2019-11-03</a:t>
             </a:fld>
             <a:endParaRPr lang="ko-KR" altLang="en-US"/>
           </a:p>
@@ -1058,7 +1075,7 @@
           <a:p>
             <a:fld id="{7C101D62-4B58-4FD6-9D62-522A6315118F}" type="datetimeFigureOut">
               <a:rPr lang="ko-KR" altLang="en-US" smtClean="0"/>
-              <a:t>2019-10-31</a:t>
+              <a:t>2019-11-03</a:t>
             </a:fld>
             <a:endParaRPr lang="ko-KR" altLang="en-US"/>
           </a:p>
@@ -1346,7 +1363,7 @@
           <a:p>
             <a:fld id="{7C101D62-4B58-4FD6-9D62-522A6315118F}" type="datetimeFigureOut">
               <a:rPr lang="ko-KR" altLang="en-US" smtClean="0"/>
-              <a:t>2019-10-31</a:t>
+              <a:t>2019-11-03</a:t>
             </a:fld>
             <a:endParaRPr lang="ko-KR" altLang="en-US"/>
           </a:p>
@@ -1768,7 +1785,7 @@
           <a:p>
             <a:fld id="{7C101D62-4B58-4FD6-9D62-522A6315118F}" type="datetimeFigureOut">
               <a:rPr lang="ko-KR" altLang="en-US" smtClean="0"/>
-              <a:t>2019-10-31</a:t>
+              <a:t>2019-11-03</a:t>
             </a:fld>
             <a:endParaRPr lang="ko-KR" altLang="en-US"/>
           </a:p>
@@ -1886,7 +1903,7 @@
           <a:p>
             <a:fld id="{7C101D62-4B58-4FD6-9D62-522A6315118F}" type="datetimeFigureOut">
               <a:rPr lang="ko-KR" altLang="en-US" smtClean="0"/>
-              <a:t>2019-10-31</a:t>
+              <a:t>2019-11-03</a:t>
             </a:fld>
             <a:endParaRPr lang="ko-KR" altLang="en-US"/>
           </a:p>
@@ -1981,7 +1998,7 @@
           <a:p>
             <a:fld id="{7C101D62-4B58-4FD6-9D62-522A6315118F}" type="datetimeFigureOut">
               <a:rPr lang="ko-KR" altLang="en-US" smtClean="0"/>
-              <a:t>2019-10-31</a:t>
+              <a:t>2019-11-03</a:t>
             </a:fld>
             <a:endParaRPr lang="ko-KR" altLang="en-US"/>
           </a:p>
@@ -2258,7 +2275,7 @@
           <a:p>
             <a:fld id="{7C101D62-4B58-4FD6-9D62-522A6315118F}" type="datetimeFigureOut">
               <a:rPr lang="ko-KR" altLang="en-US" smtClean="0"/>
-              <a:t>2019-10-31</a:t>
+              <a:t>2019-11-03</a:t>
             </a:fld>
             <a:endParaRPr lang="ko-KR" altLang="en-US"/>
           </a:p>
@@ -2511,7 +2528,7 @@
           <a:p>
             <a:fld id="{7C101D62-4B58-4FD6-9D62-522A6315118F}" type="datetimeFigureOut">
               <a:rPr lang="ko-KR" altLang="en-US" smtClean="0"/>
-              <a:t>2019-10-31</a:t>
+              <a:t>2019-11-03</a:t>
             </a:fld>
             <a:endParaRPr lang="ko-KR" altLang="en-US"/>
           </a:p>
@@ -2724,7 +2741,7 @@
           <a:p>
             <a:fld id="{7C101D62-4B58-4FD6-9D62-522A6315118F}" type="datetimeFigureOut">
               <a:rPr lang="ko-KR" altLang="en-US" smtClean="0"/>
-              <a:t>2019-10-31</a:t>
+              <a:t>2019-11-03</a:t>
             </a:fld>
             <a:endParaRPr lang="ko-KR" altLang="en-US"/>
           </a:p>
@@ -6166,46 +6183,2008 @@
       </p:grpSpPr>
       <p:sp>
         <p:nvSpPr>
-          <p:cNvPr id="2" name="제목 1"/>
-          <p:cNvSpPr>
-            <a:spLocks noGrp="1"/>
-          </p:cNvSpPr>
-          <p:nvPr>
-            <p:ph type="title"/>
-          </p:nvPr>
-        </p:nvSpPr>
-        <p:spPr/>
-        <p:txBody>
-          <a:bodyPr/>
+          <p:cNvPr id="35" name="직사각형 34"/>
+          <p:cNvSpPr/>
+          <p:nvPr/>
+        </p:nvSpPr>
+        <p:spPr>
+          <a:xfrm>
+            <a:off x="4981310" y="2231844"/>
+            <a:ext cx="1584176" cy="1513530"/>
+          </a:xfrm>
+          <a:prstGeom prst="rect">
+            <a:avLst/>
+          </a:prstGeom>
+          <a:solidFill>
+            <a:schemeClr val="accent6">
+              <a:lumMod val="60000"/>
+              <a:lumOff val="40000"/>
+            </a:schemeClr>
+          </a:solidFill>
+          <a:ln>
+            <a:solidFill>
+              <a:schemeClr val="accent6">
+                <a:lumMod val="60000"/>
+                <a:lumOff val="40000"/>
+              </a:schemeClr>
+            </a:solidFill>
+          </a:ln>
+        </p:spPr>
+        <p:style>
+          <a:lnRef idx="2">
+            <a:schemeClr val="accent1">
+              <a:shade val="50000"/>
+            </a:schemeClr>
+          </a:lnRef>
+          <a:fillRef idx="1">
+            <a:schemeClr val="accent1"/>
+          </a:fillRef>
+          <a:effectRef idx="0">
+            <a:schemeClr val="accent1"/>
+          </a:effectRef>
+          <a:fontRef idx="minor">
+            <a:schemeClr val="lt1"/>
+          </a:fontRef>
+        </p:style>
+        <p:txBody>
+          <a:bodyPr rtlCol="0" anchor="ctr"/>
           <a:lstStyle/>
           <a:p>
+            <a:pPr algn="ctr"/>
+            <a:endParaRPr lang="ko-KR" altLang="en-US" sz="1200" dirty="0">
+              <a:latin typeface="나눔스퀘어 ExtraBold" pitchFamily="50" charset="-127"/>
+              <a:ea typeface="나눔스퀘어 ExtraBold" pitchFamily="50" charset="-127"/>
+            </a:endParaRPr>
+          </a:p>
+        </p:txBody>
+      </p:sp>
+      <p:sp>
+        <p:nvSpPr>
+          <p:cNvPr id="4" name="직사각형 3"/>
+          <p:cNvSpPr/>
+          <p:nvPr/>
+        </p:nvSpPr>
+        <p:spPr>
+          <a:xfrm>
+            <a:off x="395536" y="476672"/>
+            <a:ext cx="2389529" cy="288032"/>
+          </a:xfrm>
+          <a:prstGeom prst="rect">
+            <a:avLst/>
+          </a:prstGeom>
+          <a:solidFill>
+            <a:schemeClr val="accent6">
+              <a:lumMod val="60000"/>
+              <a:lumOff val="40000"/>
+            </a:schemeClr>
+          </a:solidFill>
+          <a:ln>
+            <a:solidFill>
+              <a:schemeClr val="accent6">
+                <a:lumMod val="60000"/>
+                <a:lumOff val="40000"/>
+              </a:schemeClr>
+            </a:solidFill>
+          </a:ln>
+        </p:spPr>
+        <p:style>
+          <a:lnRef idx="2">
+            <a:schemeClr val="accent1">
+              <a:shade val="50000"/>
+            </a:schemeClr>
+          </a:lnRef>
+          <a:fillRef idx="1">
+            <a:schemeClr val="accent1"/>
+          </a:fillRef>
+          <a:effectRef idx="0">
+            <a:schemeClr val="accent1"/>
+          </a:effectRef>
+          <a:fontRef idx="minor">
+            <a:schemeClr val="lt1"/>
+          </a:fontRef>
+        </p:style>
+        <p:txBody>
+          <a:bodyPr rtlCol="0" anchor="ctr"/>
+          <a:lstStyle/>
+          <a:p>
+            <a:pPr algn="ctr"/>
+            <a:r>
+              <a:rPr lang="ko-KR" altLang="en-US" sz="1200" smtClean="0">
+                <a:solidFill>
+                  <a:schemeClr val="bg1"/>
+                </a:solidFill>
+                <a:latin typeface="나눔스퀘어 ExtraBold" pitchFamily="50" charset="-127"/>
+                <a:ea typeface="나눔스퀘어 ExtraBold" pitchFamily="50" charset="-127"/>
+              </a:rPr>
+              <a:t>수</a:t>
+            </a:r>
+            <a:r>
+              <a:rPr lang="ko-KR" altLang="en-US" sz="1200">
+                <a:solidFill>
+                  <a:schemeClr val="bg1"/>
+                </a:solidFill>
+                <a:latin typeface="나눔스퀘어 ExtraBold" pitchFamily="50" charset="-127"/>
+                <a:ea typeface="나눔스퀘어 ExtraBold" pitchFamily="50" charset="-127"/>
+              </a:rPr>
+              <a:t>집</a:t>
+            </a:r>
+          </a:p>
+        </p:txBody>
+      </p:sp>
+      <p:sp>
+        <p:nvSpPr>
+          <p:cNvPr id="11" name="직사각형 10"/>
+          <p:cNvSpPr/>
+          <p:nvPr/>
+        </p:nvSpPr>
+        <p:spPr>
+          <a:xfrm>
+            <a:off x="395536" y="783900"/>
+            <a:ext cx="2389530" cy="3293172"/>
+          </a:xfrm>
+          <a:prstGeom prst="rect">
+            <a:avLst/>
+          </a:prstGeom>
+          <a:noFill/>
+          <a:ln>
+            <a:solidFill>
+              <a:schemeClr val="accent6">
+                <a:lumMod val="60000"/>
+                <a:lumOff val="40000"/>
+              </a:schemeClr>
+            </a:solidFill>
+          </a:ln>
+        </p:spPr>
+        <p:style>
+          <a:lnRef idx="2">
+            <a:schemeClr val="accent1">
+              <a:shade val="50000"/>
+            </a:schemeClr>
+          </a:lnRef>
+          <a:fillRef idx="1">
+            <a:schemeClr val="accent1"/>
+          </a:fillRef>
+          <a:effectRef idx="0">
+            <a:schemeClr val="accent1"/>
+          </a:effectRef>
+          <a:fontRef idx="minor">
+            <a:schemeClr val="lt1"/>
+          </a:fontRef>
+        </p:style>
+        <p:txBody>
+          <a:bodyPr rtlCol="0" anchor="ctr"/>
+          <a:lstStyle/>
+          <a:p>
+            <a:pPr algn="ctr"/>
             <a:endParaRPr lang="ko-KR" altLang="en-US"/>
           </a:p>
         </p:txBody>
       </p:sp>
       <p:sp>
         <p:nvSpPr>
-          <p:cNvPr id="3" name="내용 개체 틀 2"/>
-          <p:cNvSpPr>
-            <a:spLocks noGrp="1"/>
-          </p:cNvSpPr>
-          <p:nvPr>
-            <p:ph idx="1"/>
-          </p:nvPr>
-        </p:nvSpPr>
-        <p:spPr/>
-        <p:txBody>
-          <a:bodyPr/>
+          <p:cNvPr id="8" name="직사각형 7"/>
+          <p:cNvSpPr/>
+          <p:nvPr/>
+        </p:nvSpPr>
+        <p:spPr>
+          <a:xfrm>
+            <a:off x="2870326" y="476672"/>
+            <a:ext cx="1930963" cy="288032"/>
+          </a:xfrm>
+          <a:prstGeom prst="rect">
+            <a:avLst/>
+          </a:prstGeom>
+          <a:solidFill>
+            <a:schemeClr val="accent6">
+              <a:lumMod val="60000"/>
+              <a:lumOff val="40000"/>
+            </a:schemeClr>
+          </a:solidFill>
+          <a:ln>
+            <a:solidFill>
+              <a:schemeClr val="accent6">
+                <a:lumMod val="60000"/>
+                <a:lumOff val="40000"/>
+              </a:schemeClr>
+            </a:solidFill>
+          </a:ln>
+        </p:spPr>
+        <p:style>
+          <a:lnRef idx="2">
+            <a:schemeClr val="accent1">
+              <a:shade val="50000"/>
+            </a:schemeClr>
+          </a:lnRef>
+          <a:fillRef idx="1">
+            <a:schemeClr val="accent1"/>
+          </a:fillRef>
+          <a:effectRef idx="0">
+            <a:schemeClr val="accent1"/>
+          </a:effectRef>
+          <a:fontRef idx="minor">
+            <a:schemeClr val="lt1"/>
+          </a:fontRef>
+        </p:style>
+        <p:txBody>
+          <a:bodyPr rtlCol="0" anchor="ctr"/>
           <a:lstStyle/>
           <a:p>
+            <a:pPr algn="ctr"/>
+            <a:r>
+              <a:rPr lang="ko-KR" altLang="en-US" sz="1200" dirty="0" smtClean="0">
+                <a:solidFill>
+                  <a:schemeClr val="bg1"/>
+                </a:solidFill>
+                <a:latin typeface="나눔스퀘어 ExtraBold" pitchFamily="50" charset="-127"/>
+                <a:ea typeface="나눔스퀘어 ExtraBold" pitchFamily="50" charset="-127"/>
+              </a:rPr>
+              <a:t>적</a:t>
+            </a:r>
+            <a:r>
+              <a:rPr lang="ko-KR" altLang="en-US" sz="1200" dirty="0">
+                <a:solidFill>
+                  <a:schemeClr val="bg1"/>
+                </a:solidFill>
+                <a:latin typeface="나눔스퀘어 ExtraBold" pitchFamily="50" charset="-127"/>
+                <a:ea typeface="나눔스퀘어 ExtraBold" pitchFamily="50" charset="-127"/>
+              </a:rPr>
+              <a:t>재</a:t>
+            </a:r>
+          </a:p>
+        </p:txBody>
+      </p:sp>
+      <p:sp>
+        <p:nvSpPr>
+          <p:cNvPr id="13" name="직사각형 12"/>
+          <p:cNvSpPr/>
+          <p:nvPr/>
+        </p:nvSpPr>
+        <p:spPr>
+          <a:xfrm>
+            <a:off x="2870325" y="783900"/>
+            <a:ext cx="1930963" cy="3293172"/>
+          </a:xfrm>
+          <a:prstGeom prst="rect">
+            <a:avLst/>
+          </a:prstGeom>
+          <a:noFill/>
+          <a:ln>
+            <a:solidFill>
+              <a:schemeClr val="accent6">
+                <a:lumMod val="60000"/>
+                <a:lumOff val="40000"/>
+              </a:schemeClr>
+            </a:solidFill>
+          </a:ln>
+        </p:spPr>
+        <p:style>
+          <a:lnRef idx="2">
+            <a:schemeClr val="accent1">
+              <a:shade val="50000"/>
+            </a:schemeClr>
+          </a:lnRef>
+          <a:fillRef idx="1">
+            <a:schemeClr val="accent1"/>
+          </a:fillRef>
+          <a:effectRef idx="0">
+            <a:schemeClr val="accent1"/>
+          </a:effectRef>
+          <a:fontRef idx="minor">
+            <a:schemeClr val="lt1"/>
+          </a:fontRef>
+        </p:style>
+        <p:txBody>
+          <a:bodyPr rtlCol="0" anchor="ctr"/>
+          <a:lstStyle/>
+          <a:p>
+            <a:pPr algn="ctr"/>
             <a:endParaRPr lang="ko-KR" altLang="en-US"/>
           </a:p>
         </p:txBody>
       </p:sp>
+      <p:sp>
+        <p:nvSpPr>
+          <p:cNvPr id="9" name="직사각형 8"/>
+          <p:cNvSpPr/>
+          <p:nvPr/>
+        </p:nvSpPr>
+        <p:spPr>
+          <a:xfrm>
+            <a:off x="4873297" y="476672"/>
+            <a:ext cx="1800200" cy="288032"/>
+          </a:xfrm>
+          <a:prstGeom prst="rect">
+            <a:avLst/>
+          </a:prstGeom>
+          <a:solidFill>
+            <a:schemeClr val="accent6">
+              <a:lumMod val="60000"/>
+              <a:lumOff val="40000"/>
+            </a:schemeClr>
+          </a:solidFill>
+          <a:ln>
+            <a:solidFill>
+              <a:schemeClr val="accent6">
+                <a:lumMod val="60000"/>
+                <a:lumOff val="40000"/>
+              </a:schemeClr>
+            </a:solidFill>
+          </a:ln>
+        </p:spPr>
+        <p:style>
+          <a:lnRef idx="2">
+            <a:schemeClr val="accent1">
+              <a:shade val="50000"/>
+            </a:schemeClr>
+          </a:lnRef>
+          <a:fillRef idx="1">
+            <a:schemeClr val="accent1"/>
+          </a:fillRef>
+          <a:effectRef idx="0">
+            <a:schemeClr val="accent1"/>
+          </a:effectRef>
+          <a:fontRef idx="minor">
+            <a:schemeClr val="lt1"/>
+          </a:fontRef>
+        </p:style>
+        <p:txBody>
+          <a:bodyPr rtlCol="0" anchor="ctr"/>
+          <a:lstStyle/>
+          <a:p>
+            <a:pPr algn="ctr"/>
+            <a:r>
+              <a:rPr lang="ko-KR" altLang="en-US" sz="1200" dirty="0" smtClean="0">
+                <a:solidFill>
+                  <a:schemeClr val="bg1"/>
+                </a:solidFill>
+                <a:latin typeface="나눔스퀘어 ExtraBold" pitchFamily="50" charset="-127"/>
+                <a:ea typeface="나눔스퀘어 ExtraBold" pitchFamily="50" charset="-127"/>
+              </a:rPr>
+              <a:t>처리</a:t>
+            </a:r>
+            <a:r>
+              <a:rPr lang="en-US" altLang="ko-KR" sz="1200" dirty="0" smtClean="0">
+                <a:solidFill>
+                  <a:schemeClr val="bg1"/>
+                </a:solidFill>
+                <a:latin typeface="나눔스퀘어 ExtraBold" pitchFamily="50" charset="-127"/>
+                <a:ea typeface="나눔스퀘어 ExtraBold" pitchFamily="50" charset="-127"/>
+              </a:rPr>
+              <a:t>/</a:t>
+            </a:r>
+            <a:r>
+              <a:rPr lang="ko-KR" altLang="en-US" sz="1200" dirty="0" smtClean="0">
+                <a:solidFill>
+                  <a:schemeClr val="bg1"/>
+                </a:solidFill>
+                <a:latin typeface="나눔스퀘어 ExtraBold" pitchFamily="50" charset="-127"/>
+                <a:ea typeface="나눔스퀘어 ExtraBold" pitchFamily="50" charset="-127"/>
+              </a:rPr>
+              <a:t>탐색</a:t>
+            </a:r>
+            <a:endParaRPr lang="ko-KR" altLang="en-US" sz="1200" dirty="0">
+              <a:solidFill>
+                <a:schemeClr val="bg1"/>
+              </a:solidFill>
+              <a:latin typeface="나눔스퀘어 ExtraBold" pitchFamily="50" charset="-127"/>
+              <a:ea typeface="나눔스퀘어 ExtraBold" pitchFamily="50" charset="-127"/>
+            </a:endParaRPr>
+          </a:p>
+        </p:txBody>
+      </p:sp>
+      <p:sp>
+        <p:nvSpPr>
+          <p:cNvPr id="14" name="직사각형 13"/>
+          <p:cNvSpPr/>
+          <p:nvPr/>
+        </p:nvSpPr>
+        <p:spPr>
+          <a:xfrm>
+            <a:off x="4873298" y="789601"/>
+            <a:ext cx="1800200" cy="3287471"/>
+          </a:xfrm>
+          <a:prstGeom prst="rect">
+            <a:avLst/>
+          </a:prstGeom>
+          <a:noFill/>
+          <a:ln>
+            <a:solidFill>
+              <a:schemeClr val="accent6">
+                <a:lumMod val="60000"/>
+                <a:lumOff val="40000"/>
+              </a:schemeClr>
+            </a:solidFill>
+          </a:ln>
+        </p:spPr>
+        <p:style>
+          <a:lnRef idx="2">
+            <a:schemeClr val="accent1">
+              <a:shade val="50000"/>
+            </a:schemeClr>
+          </a:lnRef>
+          <a:fillRef idx="1">
+            <a:schemeClr val="accent1"/>
+          </a:fillRef>
+          <a:effectRef idx="0">
+            <a:schemeClr val="accent1"/>
+          </a:effectRef>
+          <a:fontRef idx="minor">
+            <a:schemeClr val="lt1"/>
+          </a:fontRef>
+        </p:style>
+        <p:txBody>
+          <a:bodyPr rtlCol="0" anchor="ctr"/>
+          <a:lstStyle/>
+          <a:p>
+            <a:pPr algn="ctr"/>
+            <a:endParaRPr lang="ko-KR" altLang="en-US"/>
+          </a:p>
+        </p:txBody>
+      </p:sp>
+      <p:sp>
+        <p:nvSpPr>
+          <p:cNvPr id="10" name="직사각형 9"/>
+          <p:cNvSpPr/>
+          <p:nvPr/>
+        </p:nvSpPr>
+        <p:spPr>
+          <a:xfrm>
+            <a:off x="6745505" y="476672"/>
+            <a:ext cx="2088232" cy="288032"/>
+          </a:xfrm>
+          <a:prstGeom prst="rect">
+            <a:avLst/>
+          </a:prstGeom>
+          <a:solidFill>
+            <a:schemeClr val="accent6">
+              <a:lumMod val="60000"/>
+              <a:lumOff val="40000"/>
+            </a:schemeClr>
+          </a:solidFill>
+          <a:ln>
+            <a:solidFill>
+              <a:schemeClr val="accent6">
+                <a:lumMod val="60000"/>
+                <a:lumOff val="40000"/>
+              </a:schemeClr>
+            </a:solidFill>
+          </a:ln>
+        </p:spPr>
+        <p:style>
+          <a:lnRef idx="2">
+            <a:schemeClr val="accent1">
+              <a:shade val="50000"/>
+            </a:schemeClr>
+          </a:lnRef>
+          <a:fillRef idx="1">
+            <a:schemeClr val="accent1"/>
+          </a:fillRef>
+          <a:effectRef idx="0">
+            <a:schemeClr val="accent1"/>
+          </a:effectRef>
+          <a:fontRef idx="minor">
+            <a:schemeClr val="lt1"/>
+          </a:fontRef>
+        </p:style>
+        <p:txBody>
+          <a:bodyPr rtlCol="0" anchor="ctr"/>
+          <a:lstStyle/>
+          <a:p>
+            <a:pPr algn="ctr"/>
+            <a:r>
+              <a:rPr lang="ko-KR" altLang="en-US" sz="1200" dirty="0" smtClean="0">
+                <a:solidFill>
+                  <a:schemeClr val="bg1"/>
+                </a:solidFill>
+                <a:latin typeface="나눔스퀘어 ExtraBold" pitchFamily="50" charset="-127"/>
+                <a:ea typeface="나눔스퀘어 ExtraBold" pitchFamily="50" charset="-127"/>
+              </a:rPr>
+              <a:t>분석</a:t>
+            </a:r>
+            <a:r>
+              <a:rPr lang="en-US" altLang="ko-KR" sz="1200" dirty="0" smtClean="0">
+                <a:solidFill>
+                  <a:schemeClr val="bg1"/>
+                </a:solidFill>
+                <a:latin typeface="나눔스퀘어 ExtraBold" pitchFamily="50" charset="-127"/>
+                <a:ea typeface="나눔스퀘어 ExtraBold" pitchFamily="50" charset="-127"/>
+              </a:rPr>
+              <a:t>/</a:t>
+            </a:r>
+            <a:r>
+              <a:rPr lang="ko-KR" altLang="en-US" sz="1200" dirty="0" smtClean="0">
+                <a:solidFill>
+                  <a:schemeClr val="bg1"/>
+                </a:solidFill>
+                <a:latin typeface="나눔스퀘어 ExtraBold" pitchFamily="50" charset="-127"/>
+                <a:ea typeface="나눔스퀘어 ExtraBold" pitchFamily="50" charset="-127"/>
+              </a:rPr>
+              <a:t>응용</a:t>
+            </a:r>
+            <a:endParaRPr lang="ko-KR" altLang="en-US" sz="1200" dirty="0">
+              <a:solidFill>
+                <a:schemeClr val="bg1"/>
+              </a:solidFill>
+              <a:latin typeface="나눔스퀘어 ExtraBold" pitchFamily="50" charset="-127"/>
+              <a:ea typeface="나눔스퀘어 ExtraBold" pitchFamily="50" charset="-127"/>
+            </a:endParaRPr>
+          </a:p>
+        </p:txBody>
+      </p:sp>
+      <p:sp>
+        <p:nvSpPr>
+          <p:cNvPr id="15" name="직사각형 14"/>
+          <p:cNvSpPr/>
+          <p:nvPr/>
+        </p:nvSpPr>
+        <p:spPr>
+          <a:xfrm>
+            <a:off x="6745505" y="774291"/>
+            <a:ext cx="2088232" cy="3302781"/>
+          </a:xfrm>
+          <a:prstGeom prst="rect">
+            <a:avLst/>
+          </a:prstGeom>
+          <a:noFill/>
+          <a:ln>
+            <a:solidFill>
+              <a:schemeClr val="accent6">
+                <a:lumMod val="60000"/>
+                <a:lumOff val="40000"/>
+              </a:schemeClr>
+            </a:solidFill>
+          </a:ln>
+        </p:spPr>
+        <p:style>
+          <a:lnRef idx="2">
+            <a:schemeClr val="accent1">
+              <a:shade val="50000"/>
+            </a:schemeClr>
+          </a:lnRef>
+          <a:fillRef idx="1">
+            <a:schemeClr val="accent1"/>
+          </a:fillRef>
+          <a:effectRef idx="0">
+            <a:schemeClr val="accent1"/>
+          </a:effectRef>
+          <a:fontRef idx="minor">
+            <a:schemeClr val="lt1"/>
+          </a:fontRef>
+        </p:style>
+        <p:txBody>
+          <a:bodyPr rtlCol="0" anchor="ctr"/>
+          <a:lstStyle/>
+          <a:p>
+            <a:pPr algn="ctr"/>
+            <a:endParaRPr lang="ko-KR" altLang="en-US"/>
+          </a:p>
+        </p:txBody>
+      </p:sp>
+      <p:sp>
+        <p:nvSpPr>
+          <p:cNvPr id="20" name="직사각형 19"/>
+          <p:cNvSpPr/>
+          <p:nvPr/>
+        </p:nvSpPr>
+        <p:spPr>
+          <a:xfrm>
+            <a:off x="736897" y="1345530"/>
+            <a:ext cx="1781442" cy="2399843"/>
+          </a:xfrm>
+          <a:prstGeom prst="rect">
+            <a:avLst/>
+          </a:prstGeom>
+          <a:solidFill>
+            <a:schemeClr val="accent6">
+              <a:lumMod val="60000"/>
+              <a:lumOff val="40000"/>
+            </a:schemeClr>
+          </a:solidFill>
+          <a:ln>
+            <a:solidFill>
+              <a:schemeClr val="accent6">
+                <a:lumMod val="60000"/>
+                <a:lumOff val="40000"/>
+              </a:schemeClr>
+            </a:solidFill>
+          </a:ln>
+        </p:spPr>
+        <p:style>
+          <a:lnRef idx="2">
+            <a:schemeClr val="accent1">
+              <a:shade val="50000"/>
+            </a:schemeClr>
+          </a:lnRef>
+          <a:fillRef idx="1">
+            <a:schemeClr val="accent1"/>
+          </a:fillRef>
+          <a:effectRef idx="0">
+            <a:schemeClr val="accent1"/>
+          </a:effectRef>
+          <a:fontRef idx="minor">
+            <a:schemeClr val="lt1"/>
+          </a:fontRef>
+        </p:style>
+        <p:txBody>
+          <a:bodyPr rtlCol="0" anchor="ctr"/>
+          <a:lstStyle/>
+          <a:p>
+            <a:pPr algn="ctr"/>
+            <a:r>
+              <a:rPr lang="en-US" altLang="ko-KR" sz="1400" dirty="0" smtClean="0">
+                <a:latin typeface="나눔스퀘어 ExtraBold" pitchFamily="50" charset="-127"/>
+                <a:ea typeface="나눔스퀘어 ExtraBold" pitchFamily="50" charset="-127"/>
+              </a:rPr>
+              <a:t>Flume</a:t>
+            </a:r>
+            <a:endParaRPr lang="ko-KR" altLang="en-US" sz="1400" dirty="0">
+              <a:latin typeface="나눔스퀘어 ExtraBold" pitchFamily="50" charset="-127"/>
+              <a:ea typeface="나눔스퀘어 ExtraBold" pitchFamily="50" charset="-127"/>
+            </a:endParaRPr>
+          </a:p>
+        </p:txBody>
+      </p:sp>
+      <p:sp>
+        <p:nvSpPr>
+          <p:cNvPr id="21" name="직사각형 20"/>
+          <p:cNvSpPr/>
+          <p:nvPr/>
+        </p:nvSpPr>
+        <p:spPr>
+          <a:xfrm>
+            <a:off x="526386" y="851722"/>
+            <a:ext cx="8019319" cy="345030"/>
+          </a:xfrm>
+          <a:prstGeom prst="rect">
+            <a:avLst/>
+          </a:prstGeom>
+          <a:solidFill>
+            <a:schemeClr val="accent6">
+              <a:lumMod val="60000"/>
+              <a:lumOff val="40000"/>
+            </a:schemeClr>
+          </a:solidFill>
+          <a:ln>
+            <a:solidFill>
+              <a:schemeClr val="accent6">
+                <a:lumMod val="60000"/>
+                <a:lumOff val="40000"/>
+              </a:schemeClr>
+            </a:solidFill>
+          </a:ln>
+        </p:spPr>
+        <p:style>
+          <a:lnRef idx="2">
+            <a:schemeClr val="accent1">
+              <a:shade val="50000"/>
+            </a:schemeClr>
+          </a:lnRef>
+          <a:fillRef idx="1">
+            <a:schemeClr val="accent1"/>
+          </a:fillRef>
+          <a:effectRef idx="0">
+            <a:schemeClr val="accent1"/>
+          </a:effectRef>
+          <a:fontRef idx="minor">
+            <a:schemeClr val="lt1"/>
+          </a:fontRef>
+        </p:style>
+        <p:txBody>
+          <a:bodyPr rtlCol="0" anchor="ctr"/>
+          <a:lstStyle/>
+          <a:p>
+            <a:pPr algn="ctr"/>
+            <a:r>
+              <a:rPr lang="en-US" altLang="ko-KR" sz="1200" dirty="0" smtClean="0">
+                <a:latin typeface="나눔스퀘어 ExtraBold" pitchFamily="50" charset="-127"/>
+                <a:ea typeface="나눔스퀘어 ExtraBold" pitchFamily="50" charset="-127"/>
+              </a:rPr>
+              <a:t>Zookeeper</a:t>
+            </a:r>
+            <a:endParaRPr lang="ko-KR" altLang="en-US" sz="1200" dirty="0">
+              <a:latin typeface="나눔스퀘어 ExtraBold" pitchFamily="50" charset="-127"/>
+              <a:ea typeface="나눔스퀘어 ExtraBold" pitchFamily="50" charset="-127"/>
+            </a:endParaRPr>
+          </a:p>
+        </p:txBody>
+      </p:sp>
+      <p:sp>
+        <p:nvSpPr>
+          <p:cNvPr id="22" name="직사각형 21"/>
+          <p:cNvSpPr/>
+          <p:nvPr/>
+        </p:nvSpPr>
+        <p:spPr>
+          <a:xfrm>
+            <a:off x="3289121" y="1304670"/>
+            <a:ext cx="5256584" cy="504056"/>
+          </a:xfrm>
+          <a:prstGeom prst="rect">
+            <a:avLst/>
+          </a:prstGeom>
+          <a:solidFill>
+            <a:schemeClr val="accent6">
+              <a:lumMod val="60000"/>
+              <a:lumOff val="40000"/>
+            </a:schemeClr>
+          </a:solidFill>
+          <a:ln>
+            <a:solidFill>
+              <a:schemeClr val="accent6">
+                <a:lumMod val="60000"/>
+                <a:lumOff val="40000"/>
+              </a:schemeClr>
+            </a:solidFill>
+          </a:ln>
+        </p:spPr>
+        <p:style>
+          <a:lnRef idx="2">
+            <a:schemeClr val="accent1">
+              <a:shade val="50000"/>
+            </a:schemeClr>
+          </a:lnRef>
+          <a:fillRef idx="1">
+            <a:schemeClr val="accent1"/>
+          </a:fillRef>
+          <a:effectRef idx="0">
+            <a:schemeClr val="accent1"/>
+          </a:effectRef>
+          <a:fontRef idx="minor">
+            <a:schemeClr val="lt1"/>
+          </a:fontRef>
+        </p:style>
+        <p:txBody>
+          <a:bodyPr rtlCol="0" anchor="ctr"/>
+          <a:lstStyle/>
+          <a:p>
+            <a:pPr algn="ctr"/>
+            <a:r>
+              <a:rPr lang="en-US" altLang="ko-KR" sz="1400" dirty="0" smtClean="0">
+                <a:latin typeface="나눔스퀘어 ExtraBold" pitchFamily="50" charset="-127"/>
+                <a:ea typeface="나눔스퀘어 ExtraBold" pitchFamily="50" charset="-127"/>
+              </a:rPr>
+              <a:t>Hadoop</a:t>
+            </a:r>
+            <a:endParaRPr lang="ko-KR" altLang="en-US" sz="1400" dirty="0">
+              <a:latin typeface="나눔스퀘어 ExtraBold" pitchFamily="50" charset="-127"/>
+              <a:ea typeface="나눔스퀘어 ExtraBold" pitchFamily="50" charset="-127"/>
+            </a:endParaRPr>
+          </a:p>
+        </p:txBody>
+      </p:sp>
+      <p:grpSp>
+        <p:nvGrpSpPr>
+          <p:cNvPr id="28" name="그룹 27"/>
+          <p:cNvGrpSpPr/>
+          <p:nvPr/>
+        </p:nvGrpSpPr>
+        <p:grpSpPr>
+          <a:xfrm>
+            <a:off x="882228" y="4596112"/>
+            <a:ext cx="1416144" cy="641766"/>
+            <a:chOff x="429445" y="5521994"/>
+            <a:chExt cx="1416144" cy="641766"/>
+          </a:xfrm>
+        </p:grpSpPr>
+        <p:sp>
+          <p:nvSpPr>
+            <p:cNvPr id="27" name="순서도: 문서 26"/>
+            <p:cNvSpPr/>
+            <p:nvPr/>
+          </p:nvSpPr>
+          <p:spPr>
+            <a:xfrm>
+              <a:off x="752204" y="5521994"/>
+              <a:ext cx="1093385" cy="444348"/>
+            </a:xfrm>
+            <a:prstGeom prst="flowChartDocument">
+              <a:avLst/>
+            </a:prstGeom>
+            <a:noFill/>
+            <a:ln>
+              <a:solidFill>
+                <a:schemeClr val="accent6">
+                  <a:lumMod val="60000"/>
+                  <a:lumOff val="40000"/>
+                </a:schemeClr>
+              </a:solidFill>
+            </a:ln>
+          </p:spPr>
+          <p:style>
+            <a:lnRef idx="2">
+              <a:schemeClr val="accent1">
+                <a:shade val="50000"/>
+              </a:schemeClr>
+            </a:lnRef>
+            <a:fillRef idx="1">
+              <a:schemeClr val="accent1"/>
+            </a:fillRef>
+            <a:effectRef idx="0">
+              <a:schemeClr val="accent1"/>
+            </a:effectRef>
+            <a:fontRef idx="minor">
+              <a:schemeClr val="lt1"/>
+            </a:fontRef>
+          </p:style>
+          <p:txBody>
+            <a:bodyPr rtlCol="0" anchor="ctr"/>
+            <a:lstStyle/>
+            <a:p>
+              <a:pPr algn="ctr"/>
+              <a:endParaRPr lang="ko-KR" altLang="en-US" sz="1100" dirty="0">
+                <a:solidFill>
+                  <a:schemeClr val="accent6">
+                    <a:lumMod val="75000"/>
+                  </a:schemeClr>
+                </a:solidFill>
+                <a:latin typeface="나눔스퀘어 ExtraBold" pitchFamily="50" charset="-127"/>
+                <a:ea typeface="나눔스퀘어 ExtraBold" pitchFamily="50" charset="-127"/>
+              </a:endParaRPr>
+            </a:p>
+          </p:txBody>
+        </p:sp>
+        <p:sp>
+          <p:nvSpPr>
+            <p:cNvPr id="26" name="순서도: 문서 25"/>
+            <p:cNvSpPr/>
+            <p:nvPr/>
+          </p:nvSpPr>
+          <p:spPr>
+            <a:xfrm>
+              <a:off x="602882" y="5624778"/>
+              <a:ext cx="1093385" cy="444348"/>
+            </a:xfrm>
+            <a:prstGeom prst="flowChartDocument">
+              <a:avLst/>
+            </a:prstGeom>
+            <a:noFill/>
+            <a:ln>
+              <a:solidFill>
+                <a:schemeClr val="accent6">
+                  <a:lumMod val="60000"/>
+                  <a:lumOff val="40000"/>
+                </a:schemeClr>
+              </a:solidFill>
+            </a:ln>
+          </p:spPr>
+          <p:style>
+            <a:lnRef idx="2">
+              <a:schemeClr val="accent1">
+                <a:shade val="50000"/>
+              </a:schemeClr>
+            </a:lnRef>
+            <a:fillRef idx="1">
+              <a:schemeClr val="accent1"/>
+            </a:fillRef>
+            <a:effectRef idx="0">
+              <a:schemeClr val="accent1"/>
+            </a:effectRef>
+            <a:fontRef idx="minor">
+              <a:schemeClr val="lt1"/>
+            </a:fontRef>
+          </p:style>
+          <p:txBody>
+            <a:bodyPr rtlCol="0" anchor="ctr"/>
+            <a:lstStyle/>
+            <a:p>
+              <a:pPr algn="ctr"/>
+              <a:endParaRPr lang="ko-KR" altLang="en-US" sz="1100" dirty="0">
+                <a:solidFill>
+                  <a:schemeClr val="accent6">
+                    <a:lumMod val="75000"/>
+                  </a:schemeClr>
+                </a:solidFill>
+                <a:latin typeface="나눔스퀘어 ExtraBold" pitchFamily="50" charset="-127"/>
+                <a:ea typeface="나눔스퀘어 ExtraBold" pitchFamily="50" charset="-127"/>
+              </a:endParaRPr>
+            </a:p>
+          </p:txBody>
+        </p:sp>
+        <p:sp>
+          <p:nvSpPr>
+            <p:cNvPr id="25" name="순서도: 문서 24"/>
+            <p:cNvSpPr/>
+            <p:nvPr/>
+          </p:nvSpPr>
+          <p:spPr>
+            <a:xfrm>
+              <a:off x="429445" y="5719412"/>
+              <a:ext cx="1093385" cy="444348"/>
+            </a:xfrm>
+            <a:prstGeom prst="flowChartDocument">
+              <a:avLst/>
+            </a:prstGeom>
+            <a:solidFill>
+              <a:schemeClr val="bg1"/>
+            </a:solidFill>
+            <a:ln>
+              <a:solidFill>
+                <a:schemeClr val="accent6">
+                  <a:lumMod val="60000"/>
+                  <a:lumOff val="40000"/>
+                </a:schemeClr>
+              </a:solidFill>
+            </a:ln>
+          </p:spPr>
+          <p:style>
+            <a:lnRef idx="2">
+              <a:schemeClr val="accent1">
+                <a:shade val="50000"/>
+              </a:schemeClr>
+            </a:lnRef>
+            <a:fillRef idx="1">
+              <a:schemeClr val="accent1"/>
+            </a:fillRef>
+            <a:effectRef idx="0">
+              <a:schemeClr val="accent1"/>
+            </a:effectRef>
+            <a:fontRef idx="minor">
+              <a:schemeClr val="lt1"/>
+            </a:fontRef>
+          </p:style>
+          <p:txBody>
+            <a:bodyPr rtlCol="0" anchor="ctr"/>
+            <a:lstStyle/>
+            <a:p>
+              <a:pPr algn="ctr"/>
+              <a:r>
+                <a:rPr lang="en-US" altLang="ko-KR" sz="1100" dirty="0" err="1" smtClean="0">
+                  <a:solidFill>
+                    <a:schemeClr val="accent6">
+                      <a:lumMod val="75000"/>
+                    </a:schemeClr>
+                  </a:solidFill>
+                  <a:latin typeface="나눔스퀘어 ExtraBold" pitchFamily="50" charset="-127"/>
+                  <a:ea typeface="나눔스퀘어 ExtraBold" pitchFamily="50" charset="-127"/>
+                </a:rPr>
+                <a:t>SmartMeter</a:t>
+              </a:r>
+              <a:r>
+                <a:rPr lang="en-US" altLang="ko-KR" sz="1100" dirty="0" smtClean="0">
+                  <a:solidFill>
+                    <a:schemeClr val="accent6">
+                      <a:lumMod val="75000"/>
+                    </a:schemeClr>
+                  </a:solidFill>
+                  <a:latin typeface="나눔스퀘어 ExtraBold" pitchFamily="50" charset="-127"/>
+                  <a:ea typeface="나눔스퀘어 ExtraBold" pitchFamily="50" charset="-127"/>
+                </a:rPr>
+                <a:t> Log</a:t>
+              </a:r>
+              <a:endParaRPr lang="ko-KR" altLang="en-US" sz="1100" dirty="0">
+                <a:solidFill>
+                  <a:schemeClr val="accent6">
+                    <a:lumMod val="75000"/>
+                  </a:schemeClr>
+                </a:solidFill>
+                <a:latin typeface="나눔스퀘어 ExtraBold" pitchFamily="50" charset="-127"/>
+                <a:ea typeface="나눔스퀘어 ExtraBold" pitchFamily="50" charset="-127"/>
+              </a:endParaRPr>
+            </a:p>
+          </p:txBody>
+        </p:sp>
+      </p:grpSp>
+      <p:sp>
+        <p:nvSpPr>
+          <p:cNvPr id="31" name="직사각형 30"/>
+          <p:cNvSpPr/>
+          <p:nvPr/>
+        </p:nvSpPr>
+        <p:spPr>
+          <a:xfrm>
+            <a:off x="3289121" y="4601443"/>
+            <a:ext cx="1224136" cy="539966"/>
+          </a:xfrm>
+          <a:prstGeom prst="rect">
+            <a:avLst/>
+          </a:prstGeom>
+          <a:solidFill>
+            <a:schemeClr val="accent6">
+              <a:lumMod val="60000"/>
+              <a:lumOff val="40000"/>
+            </a:schemeClr>
+          </a:solidFill>
+          <a:ln>
+            <a:solidFill>
+              <a:schemeClr val="accent6">
+                <a:lumMod val="60000"/>
+                <a:lumOff val="40000"/>
+              </a:schemeClr>
+            </a:solidFill>
+          </a:ln>
+        </p:spPr>
+        <p:style>
+          <a:lnRef idx="2">
+            <a:schemeClr val="accent1">
+              <a:shade val="50000"/>
+            </a:schemeClr>
+          </a:lnRef>
+          <a:fillRef idx="1">
+            <a:schemeClr val="accent1"/>
+          </a:fillRef>
+          <a:effectRef idx="0">
+            <a:schemeClr val="accent1"/>
+          </a:effectRef>
+          <a:fontRef idx="minor">
+            <a:schemeClr val="lt1"/>
+          </a:fontRef>
+        </p:style>
+        <p:txBody>
+          <a:bodyPr rtlCol="0" anchor="ctr"/>
+          <a:lstStyle/>
+          <a:p>
+            <a:pPr algn="ctr"/>
+            <a:r>
+              <a:rPr lang="ko-KR" altLang="en-US" sz="1200" dirty="0" smtClean="0">
+                <a:latin typeface="나눔스퀘어 ExtraBold" pitchFamily="50" charset="-127"/>
+                <a:ea typeface="나눔스퀘어 ExtraBold" pitchFamily="50" charset="-127"/>
+              </a:rPr>
+              <a:t>업무 시스템 </a:t>
+            </a:r>
+            <a:r>
+              <a:rPr lang="en-US" altLang="ko-KR" sz="1200" dirty="0" smtClean="0">
+                <a:latin typeface="나눔스퀘어 ExtraBold" pitchFamily="50" charset="-127"/>
+                <a:ea typeface="나눔스퀘어 ExtraBold" pitchFamily="50" charset="-127"/>
+              </a:rPr>
+              <a:t>1</a:t>
+            </a:r>
+            <a:endParaRPr lang="ko-KR" altLang="en-US" sz="1200" dirty="0">
+              <a:latin typeface="나눔스퀘어 ExtraBold" pitchFamily="50" charset="-127"/>
+              <a:ea typeface="나눔스퀘어 ExtraBold" pitchFamily="50" charset="-127"/>
+            </a:endParaRPr>
+          </a:p>
+        </p:txBody>
+      </p:sp>
+      <p:sp>
+        <p:nvSpPr>
+          <p:cNvPr id="32" name="직사각형 31"/>
+          <p:cNvSpPr/>
+          <p:nvPr/>
+        </p:nvSpPr>
+        <p:spPr>
+          <a:xfrm>
+            <a:off x="5183993" y="4614637"/>
+            <a:ext cx="1224136" cy="539966"/>
+          </a:xfrm>
+          <a:prstGeom prst="rect">
+            <a:avLst/>
+          </a:prstGeom>
+          <a:solidFill>
+            <a:schemeClr val="accent6">
+              <a:lumMod val="60000"/>
+              <a:lumOff val="40000"/>
+            </a:schemeClr>
+          </a:solidFill>
+          <a:ln>
+            <a:solidFill>
+              <a:schemeClr val="accent6">
+                <a:lumMod val="60000"/>
+                <a:lumOff val="40000"/>
+              </a:schemeClr>
+            </a:solidFill>
+          </a:ln>
+        </p:spPr>
+        <p:style>
+          <a:lnRef idx="2">
+            <a:schemeClr val="accent1">
+              <a:shade val="50000"/>
+            </a:schemeClr>
+          </a:lnRef>
+          <a:fillRef idx="1">
+            <a:schemeClr val="accent1"/>
+          </a:fillRef>
+          <a:effectRef idx="0">
+            <a:schemeClr val="accent1"/>
+          </a:effectRef>
+          <a:fontRef idx="minor">
+            <a:schemeClr val="lt1"/>
+          </a:fontRef>
+        </p:style>
+        <p:txBody>
+          <a:bodyPr rtlCol="0" anchor="ctr"/>
+          <a:lstStyle/>
+          <a:p>
+            <a:pPr algn="ctr"/>
+            <a:r>
+              <a:rPr lang="ko-KR" altLang="en-US" sz="1200" dirty="0" smtClean="0">
+                <a:latin typeface="나눔스퀘어 ExtraBold" pitchFamily="50" charset="-127"/>
+                <a:ea typeface="나눔스퀘어 ExtraBold" pitchFamily="50" charset="-127"/>
+              </a:rPr>
+              <a:t>업무 시스템 </a:t>
+            </a:r>
+            <a:r>
+              <a:rPr lang="en-US" altLang="ko-KR" sz="1200" dirty="0" smtClean="0">
+                <a:latin typeface="나눔스퀘어 ExtraBold" pitchFamily="50" charset="-127"/>
+                <a:ea typeface="나눔스퀘어 ExtraBold" pitchFamily="50" charset="-127"/>
+              </a:rPr>
+              <a:t>DB</a:t>
+            </a:r>
+            <a:endParaRPr lang="ko-KR" altLang="en-US" sz="1200" dirty="0">
+              <a:latin typeface="나눔스퀘어 ExtraBold" pitchFamily="50" charset="-127"/>
+              <a:ea typeface="나눔스퀘어 ExtraBold" pitchFamily="50" charset="-127"/>
+            </a:endParaRPr>
+          </a:p>
+        </p:txBody>
+      </p:sp>
+      <p:sp>
+        <p:nvSpPr>
+          <p:cNvPr id="34" name="직사각형 33"/>
+          <p:cNvSpPr/>
+          <p:nvPr/>
+        </p:nvSpPr>
+        <p:spPr>
+          <a:xfrm>
+            <a:off x="395536" y="4217507"/>
+            <a:ext cx="8438201" cy="288032"/>
+          </a:xfrm>
+          <a:prstGeom prst="rect">
+            <a:avLst/>
+          </a:prstGeom>
+          <a:solidFill>
+            <a:schemeClr val="bg1"/>
+          </a:solidFill>
+          <a:ln>
+            <a:solidFill>
+              <a:schemeClr val="accent6">
+                <a:lumMod val="60000"/>
+                <a:lumOff val="40000"/>
+              </a:schemeClr>
+            </a:solidFill>
+            <a:prstDash val="sysDash"/>
+          </a:ln>
+        </p:spPr>
+        <p:style>
+          <a:lnRef idx="2">
+            <a:schemeClr val="accent1">
+              <a:shade val="50000"/>
+            </a:schemeClr>
+          </a:lnRef>
+          <a:fillRef idx="1">
+            <a:schemeClr val="accent1"/>
+          </a:fillRef>
+          <a:effectRef idx="0">
+            <a:schemeClr val="accent1"/>
+          </a:effectRef>
+          <a:fontRef idx="minor">
+            <a:schemeClr val="lt1"/>
+          </a:fontRef>
+        </p:style>
+        <p:txBody>
+          <a:bodyPr rtlCol="0" anchor="ctr"/>
+          <a:lstStyle/>
+          <a:p>
+            <a:pPr algn="ctr"/>
+            <a:r>
+              <a:rPr lang="en-US" altLang="ko-KR" sz="1400" dirty="0" smtClean="0">
+                <a:solidFill>
+                  <a:schemeClr val="accent6">
+                    <a:lumMod val="75000"/>
+                  </a:schemeClr>
+                </a:solidFill>
+              </a:rPr>
+              <a:t>Cloudera Manager</a:t>
+            </a:r>
+            <a:endParaRPr lang="ko-KR" altLang="en-US" sz="1400" dirty="0">
+              <a:solidFill>
+                <a:schemeClr val="accent6">
+                  <a:lumMod val="75000"/>
+                </a:schemeClr>
+              </a:solidFill>
+            </a:endParaRPr>
+          </a:p>
+        </p:txBody>
+      </p:sp>
+      <p:sp>
+        <p:nvSpPr>
+          <p:cNvPr id="36" name="직사각형 35"/>
+          <p:cNvSpPr/>
+          <p:nvPr/>
+        </p:nvSpPr>
+        <p:spPr>
+          <a:xfrm>
+            <a:off x="5053317" y="2673009"/>
+            <a:ext cx="1440160" cy="828601"/>
+          </a:xfrm>
+          <a:prstGeom prst="rect">
+            <a:avLst/>
+          </a:prstGeom>
+          <a:solidFill>
+            <a:schemeClr val="bg1"/>
+          </a:solidFill>
+          <a:ln>
+            <a:solidFill>
+              <a:schemeClr val="accent6">
+                <a:lumMod val="60000"/>
+                <a:lumOff val="40000"/>
+              </a:schemeClr>
+            </a:solidFill>
+          </a:ln>
+        </p:spPr>
+        <p:style>
+          <a:lnRef idx="2">
+            <a:schemeClr val="accent1">
+              <a:shade val="50000"/>
+            </a:schemeClr>
+          </a:lnRef>
+          <a:fillRef idx="1">
+            <a:schemeClr val="accent1"/>
+          </a:fillRef>
+          <a:effectRef idx="0">
+            <a:schemeClr val="accent1"/>
+          </a:effectRef>
+          <a:fontRef idx="minor">
+            <a:schemeClr val="lt1"/>
+          </a:fontRef>
+        </p:style>
+        <p:txBody>
+          <a:bodyPr rtlCol="0" anchor="ctr"/>
+          <a:lstStyle/>
+          <a:p>
+            <a:pPr algn="ctr"/>
+            <a:r>
+              <a:rPr lang="en-US" altLang="ko-KR" sz="1200" dirty="0" smtClean="0">
+                <a:solidFill>
+                  <a:schemeClr val="accent6">
+                    <a:lumMod val="60000"/>
+                    <a:lumOff val="40000"/>
+                  </a:schemeClr>
+                </a:solidFill>
+                <a:latin typeface="나눔스퀘어 ExtraBold" pitchFamily="50" charset="-127"/>
+                <a:ea typeface="나눔스퀘어 ExtraBold" pitchFamily="50" charset="-127"/>
+              </a:rPr>
+              <a:t>HIVE &amp; Spark</a:t>
+            </a:r>
+            <a:r>
+              <a:rPr lang="ko-KR" altLang="en-US" sz="1200" dirty="0" smtClean="0">
+                <a:solidFill>
+                  <a:schemeClr val="accent6">
+                    <a:lumMod val="60000"/>
+                    <a:lumOff val="40000"/>
+                  </a:schemeClr>
+                </a:solidFill>
+                <a:latin typeface="나눔스퀘어 ExtraBold" pitchFamily="50" charset="-127"/>
+                <a:ea typeface="나눔스퀘어 ExtraBold" pitchFamily="50" charset="-127"/>
+              </a:rPr>
+              <a:t> </a:t>
+            </a:r>
+            <a:endParaRPr lang="ko-KR" altLang="en-US" sz="1200" dirty="0">
+              <a:solidFill>
+                <a:schemeClr val="accent6">
+                  <a:lumMod val="60000"/>
+                  <a:lumOff val="40000"/>
+                </a:schemeClr>
+              </a:solidFill>
+              <a:latin typeface="나눔스퀘어 ExtraBold" pitchFamily="50" charset="-127"/>
+              <a:ea typeface="나눔스퀘어 ExtraBold" pitchFamily="50" charset="-127"/>
+            </a:endParaRPr>
+          </a:p>
+        </p:txBody>
+      </p:sp>
+      <p:sp>
+        <p:nvSpPr>
+          <p:cNvPr id="39" name="직사각형 38"/>
+          <p:cNvSpPr/>
+          <p:nvPr/>
+        </p:nvSpPr>
+        <p:spPr>
+          <a:xfrm>
+            <a:off x="5337857" y="2277451"/>
+            <a:ext cx="852924" cy="297057"/>
+          </a:xfrm>
+          <a:prstGeom prst="rect">
+            <a:avLst/>
+          </a:prstGeom>
+          <a:solidFill>
+            <a:schemeClr val="accent6">
+              <a:lumMod val="60000"/>
+              <a:lumOff val="40000"/>
+            </a:schemeClr>
+          </a:solidFill>
+          <a:ln>
+            <a:solidFill>
+              <a:schemeClr val="accent6">
+                <a:lumMod val="60000"/>
+                <a:lumOff val="40000"/>
+              </a:schemeClr>
+            </a:solidFill>
+          </a:ln>
+        </p:spPr>
+        <p:style>
+          <a:lnRef idx="2">
+            <a:schemeClr val="accent1">
+              <a:shade val="50000"/>
+            </a:schemeClr>
+          </a:lnRef>
+          <a:fillRef idx="1">
+            <a:schemeClr val="accent1"/>
+          </a:fillRef>
+          <a:effectRef idx="0">
+            <a:schemeClr val="accent1"/>
+          </a:effectRef>
+          <a:fontRef idx="minor">
+            <a:schemeClr val="lt1"/>
+          </a:fontRef>
+        </p:style>
+        <p:txBody>
+          <a:bodyPr rtlCol="0" anchor="ctr"/>
+          <a:lstStyle/>
+          <a:p>
+            <a:pPr algn="ctr"/>
+            <a:r>
+              <a:rPr lang="en-US" altLang="ko-KR" sz="1200" dirty="0" smtClean="0">
+                <a:latin typeface="나눔스퀘어 ExtraBold" pitchFamily="50" charset="-127"/>
+                <a:ea typeface="나눔스퀘어 ExtraBold" pitchFamily="50" charset="-127"/>
+              </a:rPr>
+              <a:t>HUE</a:t>
+            </a:r>
+            <a:endParaRPr lang="ko-KR" altLang="en-US" sz="1200" dirty="0">
+              <a:latin typeface="나눔스퀘어 ExtraBold" pitchFamily="50" charset="-127"/>
+              <a:ea typeface="나눔스퀘어 ExtraBold" pitchFamily="50" charset="-127"/>
+            </a:endParaRPr>
+          </a:p>
+        </p:txBody>
+      </p:sp>
+      <p:sp>
+        <p:nvSpPr>
+          <p:cNvPr id="40" name="직사각형 39"/>
+          <p:cNvSpPr/>
+          <p:nvPr/>
+        </p:nvSpPr>
+        <p:spPr>
+          <a:xfrm>
+            <a:off x="7105545" y="2237991"/>
+            <a:ext cx="1008112" cy="539966"/>
+          </a:xfrm>
+          <a:prstGeom prst="rect">
+            <a:avLst/>
+          </a:prstGeom>
+          <a:solidFill>
+            <a:schemeClr val="accent6">
+              <a:lumMod val="60000"/>
+              <a:lumOff val="40000"/>
+            </a:schemeClr>
+          </a:solidFill>
+          <a:ln>
+            <a:solidFill>
+              <a:schemeClr val="accent6">
+                <a:lumMod val="60000"/>
+                <a:lumOff val="40000"/>
+              </a:schemeClr>
+            </a:solidFill>
+          </a:ln>
+        </p:spPr>
+        <p:style>
+          <a:lnRef idx="2">
+            <a:schemeClr val="accent1">
+              <a:shade val="50000"/>
+            </a:schemeClr>
+          </a:lnRef>
+          <a:fillRef idx="1">
+            <a:schemeClr val="accent1"/>
+          </a:fillRef>
+          <a:effectRef idx="0">
+            <a:schemeClr val="accent1"/>
+          </a:effectRef>
+          <a:fontRef idx="minor">
+            <a:schemeClr val="lt1"/>
+          </a:fontRef>
+        </p:style>
+        <p:txBody>
+          <a:bodyPr rtlCol="0" anchor="ctr"/>
+          <a:lstStyle/>
+          <a:p>
+            <a:pPr algn="ctr"/>
+            <a:r>
+              <a:rPr lang="en-US" altLang="ko-KR" sz="1400" dirty="0" smtClean="0">
+                <a:latin typeface="나눔스퀘어 ExtraBold" pitchFamily="50" charset="-127"/>
+                <a:ea typeface="나눔스퀘어 ExtraBold" pitchFamily="50" charset="-127"/>
+              </a:rPr>
+              <a:t>Impala</a:t>
+            </a:r>
+            <a:endParaRPr lang="ko-KR" altLang="en-US" sz="1400" dirty="0">
+              <a:latin typeface="나눔스퀘어 ExtraBold" pitchFamily="50" charset="-127"/>
+              <a:ea typeface="나눔스퀘어 ExtraBold" pitchFamily="50" charset="-127"/>
+            </a:endParaRPr>
+          </a:p>
+        </p:txBody>
+      </p:sp>
+      <p:sp>
+        <p:nvSpPr>
+          <p:cNvPr id="42" name="직사각형 41"/>
+          <p:cNvSpPr/>
+          <p:nvPr/>
+        </p:nvSpPr>
+        <p:spPr>
+          <a:xfrm>
+            <a:off x="7104999" y="3173206"/>
+            <a:ext cx="1009203" cy="539966"/>
+          </a:xfrm>
+          <a:prstGeom prst="rect">
+            <a:avLst/>
+          </a:prstGeom>
+          <a:solidFill>
+            <a:schemeClr val="accent6">
+              <a:lumMod val="60000"/>
+              <a:lumOff val="40000"/>
+            </a:schemeClr>
+          </a:solidFill>
+          <a:ln>
+            <a:solidFill>
+              <a:schemeClr val="accent6">
+                <a:lumMod val="60000"/>
+                <a:lumOff val="40000"/>
+              </a:schemeClr>
+            </a:solidFill>
+          </a:ln>
+        </p:spPr>
+        <p:style>
+          <a:lnRef idx="2">
+            <a:schemeClr val="accent1">
+              <a:shade val="50000"/>
+            </a:schemeClr>
+          </a:lnRef>
+          <a:fillRef idx="1">
+            <a:schemeClr val="accent1"/>
+          </a:fillRef>
+          <a:effectRef idx="0">
+            <a:schemeClr val="accent1"/>
+          </a:effectRef>
+          <a:fontRef idx="minor">
+            <a:schemeClr val="lt1"/>
+          </a:fontRef>
+        </p:style>
+        <p:txBody>
+          <a:bodyPr rtlCol="0" anchor="ctr"/>
+          <a:lstStyle/>
+          <a:p>
+            <a:pPr algn="ctr"/>
+            <a:r>
+              <a:rPr lang="en-US" altLang="ko-KR" sz="1400" dirty="0" smtClean="0">
+                <a:latin typeface="나눔스퀘어 ExtraBold" pitchFamily="50" charset="-127"/>
+                <a:ea typeface="나눔스퀘어 ExtraBold" pitchFamily="50" charset="-127"/>
+              </a:rPr>
+              <a:t>Mahout</a:t>
+            </a:r>
+            <a:endParaRPr lang="ko-KR" altLang="en-US" sz="1400" dirty="0">
+              <a:latin typeface="나눔스퀘어 ExtraBold" pitchFamily="50" charset="-127"/>
+              <a:ea typeface="나눔스퀘어 ExtraBold" pitchFamily="50" charset="-127"/>
+            </a:endParaRPr>
+          </a:p>
+        </p:txBody>
+      </p:sp>
+      <p:cxnSp>
+        <p:nvCxnSpPr>
+          <p:cNvPr id="79" name="꺾인 연결선 78"/>
+          <p:cNvCxnSpPr>
+            <a:stCxn id="35" idx="3"/>
+            <a:endCxn id="40" idx="1"/>
+          </p:cNvCxnSpPr>
+          <p:nvPr/>
+        </p:nvCxnSpPr>
+        <p:spPr>
+          <a:xfrm flipV="1">
+            <a:off x="6565486" y="2507974"/>
+            <a:ext cx="540059" cy="480635"/>
+          </a:xfrm>
+          <a:prstGeom prst="bentConnector3">
+            <a:avLst>
+              <a:gd name="adj1" fmla="val 50000"/>
+            </a:avLst>
+          </a:prstGeom>
+          <a:ln w="22225">
+            <a:solidFill>
+              <a:schemeClr val="accent6">
+                <a:lumMod val="60000"/>
+                <a:lumOff val="40000"/>
+              </a:schemeClr>
+            </a:solidFill>
+            <a:tailEnd type="arrow"/>
+          </a:ln>
+        </p:spPr>
+        <p:style>
+          <a:lnRef idx="1">
+            <a:schemeClr val="accent1"/>
+          </a:lnRef>
+          <a:fillRef idx="0">
+            <a:schemeClr val="accent1"/>
+          </a:fillRef>
+          <a:effectRef idx="0">
+            <a:schemeClr val="accent1"/>
+          </a:effectRef>
+          <a:fontRef idx="minor">
+            <a:schemeClr val="tx1"/>
+          </a:fontRef>
+        </p:style>
+      </p:cxnSp>
+      <p:sp>
+        <p:nvSpPr>
+          <p:cNvPr id="94" name="직사각형 93"/>
+          <p:cNvSpPr/>
+          <p:nvPr/>
+        </p:nvSpPr>
+        <p:spPr>
+          <a:xfrm>
+            <a:off x="7104453" y="4638231"/>
+            <a:ext cx="1224136" cy="539966"/>
+          </a:xfrm>
+          <a:prstGeom prst="rect">
+            <a:avLst/>
+          </a:prstGeom>
+          <a:solidFill>
+            <a:schemeClr val="accent6">
+              <a:lumMod val="60000"/>
+              <a:lumOff val="40000"/>
+            </a:schemeClr>
+          </a:solidFill>
+          <a:ln>
+            <a:solidFill>
+              <a:schemeClr val="accent6">
+                <a:lumMod val="60000"/>
+                <a:lumOff val="40000"/>
+              </a:schemeClr>
+            </a:solidFill>
+          </a:ln>
+        </p:spPr>
+        <p:style>
+          <a:lnRef idx="2">
+            <a:schemeClr val="accent1">
+              <a:shade val="50000"/>
+            </a:schemeClr>
+          </a:lnRef>
+          <a:fillRef idx="1">
+            <a:schemeClr val="accent1"/>
+          </a:fillRef>
+          <a:effectRef idx="0">
+            <a:schemeClr val="accent1"/>
+          </a:effectRef>
+          <a:fontRef idx="minor">
+            <a:schemeClr val="lt1"/>
+          </a:fontRef>
+        </p:style>
+        <p:txBody>
+          <a:bodyPr rtlCol="0" anchor="ctr"/>
+          <a:lstStyle/>
+          <a:p>
+            <a:pPr algn="ctr"/>
+            <a:r>
+              <a:rPr lang="ko-KR" altLang="en-US" sz="1200" dirty="0" smtClean="0">
+                <a:latin typeface="나눔스퀘어 ExtraBold" pitchFamily="50" charset="-127"/>
+                <a:ea typeface="나눔스퀘어 ExtraBold" pitchFamily="50" charset="-127"/>
+              </a:rPr>
+              <a:t>업무 시스템 </a:t>
+            </a:r>
+            <a:r>
+              <a:rPr lang="en-US" altLang="ko-KR" sz="1200" dirty="0">
+                <a:latin typeface="나눔스퀘어 ExtraBold" pitchFamily="50" charset="-127"/>
+                <a:ea typeface="나눔스퀘어 ExtraBold" pitchFamily="50" charset="-127"/>
+              </a:rPr>
+              <a:t>2</a:t>
+            </a:r>
+            <a:endParaRPr lang="ko-KR" altLang="en-US" sz="1200" dirty="0">
+              <a:latin typeface="나눔스퀘어 ExtraBold" pitchFamily="50" charset="-127"/>
+              <a:ea typeface="나눔스퀘어 ExtraBold" pitchFamily="50" charset="-127"/>
+            </a:endParaRPr>
+          </a:p>
+        </p:txBody>
+      </p:sp>
+      <p:cxnSp>
+        <p:nvCxnSpPr>
+          <p:cNvPr id="109" name="직선 화살표 연결선 108"/>
+          <p:cNvCxnSpPr/>
+          <p:nvPr/>
+        </p:nvCxnSpPr>
+        <p:spPr>
+          <a:xfrm flipH="1">
+            <a:off x="7673913" y="3738497"/>
+            <a:ext cx="1" cy="887803"/>
+          </a:xfrm>
+          <a:prstGeom prst="straightConnector1">
+            <a:avLst/>
+          </a:prstGeom>
+          <a:ln w="22225">
+            <a:solidFill>
+              <a:schemeClr val="accent6">
+                <a:lumMod val="60000"/>
+                <a:lumOff val="40000"/>
+              </a:schemeClr>
+            </a:solidFill>
+            <a:headEnd type="arrow"/>
+            <a:tailEnd type="arrow"/>
+          </a:ln>
+        </p:spPr>
+        <p:style>
+          <a:lnRef idx="1">
+            <a:schemeClr val="accent1"/>
+          </a:lnRef>
+          <a:fillRef idx="0">
+            <a:schemeClr val="accent1"/>
+          </a:fillRef>
+          <a:effectRef idx="0">
+            <a:schemeClr val="accent1"/>
+          </a:effectRef>
+          <a:fontRef idx="minor">
+            <a:schemeClr val="tx1"/>
+          </a:fontRef>
+        </p:style>
+      </p:cxnSp>
+      <p:cxnSp>
+        <p:nvCxnSpPr>
+          <p:cNvPr id="110" name="직선 화살표 연결선 109"/>
+          <p:cNvCxnSpPr/>
+          <p:nvPr/>
+        </p:nvCxnSpPr>
+        <p:spPr>
+          <a:xfrm>
+            <a:off x="6438407" y="4920032"/>
+            <a:ext cx="666046" cy="0"/>
+          </a:xfrm>
+          <a:prstGeom prst="straightConnector1">
+            <a:avLst/>
+          </a:prstGeom>
+          <a:ln w="22225">
+            <a:solidFill>
+              <a:schemeClr val="accent6">
+                <a:lumMod val="60000"/>
+                <a:lumOff val="40000"/>
+              </a:schemeClr>
+            </a:solidFill>
+            <a:headEnd type="arrow"/>
+            <a:tailEnd type="arrow"/>
+          </a:ln>
+        </p:spPr>
+        <p:style>
+          <a:lnRef idx="1">
+            <a:schemeClr val="accent1"/>
+          </a:lnRef>
+          <a:fillRef idx="0">
+            <a:schemeClr val="accent1"/>
+          </a:fillRef>
+          <a:effectRef idx="0">
+            <a:schemeClr val="accent1"/>
+          </a:effectRef>
+          <a:fontRef idx="minor">
+            <a:schemeClr val="tx1"/>
+          </a:fontRef>
+        </p:style>
+      </p:cxnSp>
+      <p:cxnSp>
+        <p:nvCxnSpPr>
+          <p:cNvPr id="113" name="직선 화살표 연결선 112"/>
+          <p:cNvCxnSpPr/>
+          <p:nvPr/>
+        </p:nvCxnSpPr>
+        <p:spPr>
+          <a:xfrm>
+            <a:off x="4522790" y="4871426"/>
+            <a:ext cx="701014" cy="926"/>
+          </a:xfrm>
+          <a:prstGeom prst="straightConnector1">
+            <a:avLst/>
+          </a:prstGeom>
+          <a:ln w="22225">
+            <a:solidFill>
+              <a:schemeClr val="accent6">
+                <a:lumMod val="60000"/>
+                <a:lumOff val="40000"/>
+              </a:schemeClr>
+            </a:solidFill>
+            <a:headEnd type="arrow"/>
+            <a:tailEnd type="arrow"/>
+          </a:ln>
+        </p:spPr>
+        <p:style>
+          <a:lnRef idx="1">
+            <a:schemeClr val="accent1"/>
+          </a:lnRef>
+          <a:fillRef idx="0">
+            <a:schemeClr val="accent1"/>
+          </a:fillRef>
+          <a:effectRef idx="0">
+            <a:schemeClr val="accent1"/>
+          </a:effectRef>
+          <a:fontRef idx="minor">
+            <a:schemeClr val="tx1"/>
+          </a:fontRef>
+        </p:style>
+      </p:cxnSp>
+      <p:cxnSp>
+        <p:nvCxnSpPr>
+          <p:cNvPr id="119" name="꺾인 연결선 118"/>
+          <p:cNvCxnSpPr>
+            <a:stCxn id="22" idx="3"/>
+            <a:endCxn id="40" idx="3"/>
+          </p:cNvCxnSpPr>
+          <p:nvPr/>
+        </p:nvCxnSpPr>
+        <p:spPr>
+          <a:xfrm flipH="1">
+            <a:off x="8113657" y="1556698"/>
+            <a:ext cx="432048" cy="951276"/>
+          </a:xfrm>
+          <a:prstGeom prst="bentConnector3">
+            <a:avLst>
+              <a:gd name="adj1" fmla="val -40931"/>
+            </a:avLst>
+          </a:prstGeom>
+          <a:ln w="22225">
+            <a:solidFill>
+              <a:schemeClr val="accent6">
+                <a:lumMod val="60000"/>
+                <a:lumOff val="40000"/>
+              </a:schemeClr>
+            </a:solidFill>
+            <a:headEnd type="arrow"/>
+            <a:tailEnd type="arrow"/>
+          </a:ln>
+        </p:spPr>
+        <p:style>
+          <a:lnRef idx="1">
+            <a:schemeClr val="accent1"/>
+          </a:lnRef>
+          <a:fillRef idx="0">
+            <a:schemeClr val="accent1"/>
+          </a:fillRef>
+          <a:effectRef idx="0">
+            <a:schemeClr val="accent1"/>
+          </a:effectRef>
+          <a:fontRef idx="minor">
+            <a:schemeClr val="tx1"/>
+          </a:fontRef>
+        </p:style>
+      </p:cxnSp>
+      <p:cxnSp>
+        <p:nvCxnSpPr>
+          <p:cNvPr id="123" name="꺾인 연결선 122"/>
+          <p:cNvCxnSpPr>
+            <a:stCxn id="22" idx="3"/>
+            <a:endCxn id="42" idx="3"/>
+          </p:cNvCxnSpPr>
+          <p:nvPr/>
+        </p:nvCxnSpPr>
+        <p:spPr>
+          <a:xfrm flipH="1">
+            <a:off x="8114202" y="1556698"/>
+            <a:ext cx="431503" cy="1886491"/>
+          </a:xfrm>
+          <a:prstGeom prst="bentConnector3">
+            <a:avLst>
+              <a:gd name="adj1" fmla="val -52978"/>
+            </a:avLst>
+          </a:prstGeom>
+          <a:ln w="22225">
+            <a:solidFill>
+              <a:schemeClr val="accent6">
+                <a:lumMod val="60000"/>
+                <a:lumOff val="40000"/>
+              </a:schemeClr>
+            </a:solidFill>
+            <a:headEnd type="arrow"/>
+            <a:tailEnd type="arrow"/>
+          </a:ln>
+        </p:spPr>
+        <p:style>
+          <a:lnRef idx="1">
+            <a:schemeClr val="accent1"/>
+          </a:lnRef>
+          <a:fillRef idx="0">
+            <a:schemeClr val="accent1"/>
+          </a:fillRef>
+          <a:effectRef idx="0">
+            <a:schemeClr val="accent1"/>
+          </a:effectRef>
+          <a:fontRef idx="minor">
+            <a:schemeClr val="tx1"/>
+          </a:fontRef>
+        </p:style>
+      </p:cxnSp>
+      <p:cxnSp>
+        <p:nvCxnSpPr>
+          <p:cNvPr id="129" name="꺾인 연결선 128"/>
+          <p:cNvCxnSpPr/>
+          <p:nvPr/>
+        </p:nvCxnSpPr>
+        <p:spPr>
+          <a:xfrm rot="16200000" flipH="1">
+            <a:off x="5528378" y="2029161"/>
+            <a:ext cx="461796" cy="6350"/>
+          </a:xfrm>
+          <a:prstGeom prst="bentConnector3">
+            <a:avLst/>
+          </a:prstGeom>
+          <a:ln w="22225">
+            <a:solidFill>
+              <a:schemeClr val="accent6">
+                <a:lumMod val="60000"/>
+                <a:lumOff val="40000"/>
+              </a:schemeClr>
+            </a:solidFill>
+            <a:headEnd type="arrow"/>
+            <a:tailEnd type="arrow"/>
+          </a:ln>
+        </p:spPr>
+        <p:style>
+          <a:lnRef idx="1">
+            <a:schemeClr val="accent1"/>
+          </a:lnRef>
+          <a:fillRef idx="0">
+            <a:schemeClr val="accent1"/>
+          </a:fillRef>
+          <a:effectRef idx="0">
+            <a:schemeClr val="accent1"/>
+          </a:effectRef>
+          <a:fontRef idx="minor">
+            <a:schemeClr val="tx1"/>
+          </a:fontRef>
+        </p:style>
+      </p:cxnSp>
+      <p:cxnSp>
+        <p:nvCxnSpPr>
+          <p:cNvPr id="132" name="직선 화살표 연결선 131"/>
+          <p:cNvCxnSpPr>
+            <a:stCxn id="35" idx="2"/>
+            <a:endCxn id="32" idx="0"/>
+          </p:cNvCxnSpPr>
+          <p:nvPr/>
+        </p:nvCxnSpPr>
+        <p:spPr>
+          <a:xfrm>
+            <a:off x="5773398" y="3745374"/>
+            <a:ext cx="22663" cy="869263"/>
+          </a:xfrm>
+          <a:prstGeom prst="straightConnector1">
+            <a:avLst/>
+          </a:prstGeom>
+          <a:ln w="22225">
+            <a:solidFill>
+              <a:schemeClr val="accent6">
+                <a:lumMod val="60000"/>
+                <a:lumOff val="40000"/>
+              </a:schemeClr>
+            </a:solidFill>
+            <a:headEnd type="arrow"/>
+            <a:tailEnd type="arrow"/>
+          </a:ln>
+        </p:spPr>
+        <p:style>
+          <a:lnRef idx="1">
+            <a:schemeClr val="accent1"/>
+          </a:lnRef>
+          <a:fillRef idx="0">
+            <a:schemeClr val="accent1"/>
+          </a:fillRef>
+          <a:effectRef idx="0">
+            <a:schemeClr val="accent1"/>
+          </a:effectRef>
+          <a:fontRef idx="minor">
+            <a:schemeClr val="tx1"/>
+          </a:fontRef>
+        </p:style>
+      </p:cxnSp>
+      <p:cxnSp>
+        <p:nvCxnSpPr>
+          <p:cNvPr id="136" name="직선 화살표 연결선 135"/>
+          <p:cNvCxnSpPr/>
+          <p:nvPr/>
+        </p:nvCxnSpPr>
+        <p:spPr>
+          <a:xfrm flipH="1">
+            <a:off x="3683195" y="1808726"/>
+            <a:ext cx="24709" cy="2787386"/>
+          </a:xfrm>
+          <a:prstGeom prst="straightConnector1">
+            <a:avLst/>
+          </a:prstGeom>
+          <a:ln w="22225">
+            <a:solidFill>
+              <a:schemeClr val="accent6">
+                <a:lumMod val="60000"/>
+                <a:lumOff val="40000"/>
+              </a:schemeClr>
+            </a:solidFill>
+            <a:tailEnd type="arrow"/>
+          </a:ln>
+        </p:spPr>
+        <p:style>
+          <a:lnRef idx="1">
+            <a:schemeClr val="accent1"/>
+          </a:lnRef>
+          <a:fillRef idx="0">
+            <a:schemeClr val="accent1"/>
+          </a:fillRef>
+          <a:effectRef idx="0">
+            <a:schemeClr val="accent1"/>
+          </a:effectRef>
+          <a:fontRef idx="minor">
+            <a:schemeClr val="tx1"/>
+          </a:fontRef>
+        </p:style>
+      </p:cxnSp>
+      <p:cxnSp>
+        <p:nvCxnSpPr>
+          <p:cNvPr id="56" name="직선 화살표 연결선 55"/>
+          <p:cNvCxnSpPr>
+            <a:endCxn id="20" idx="2"/>
+          </p:cNvCxnSpPr>
+          <p:nvPr/>
+        </p:nvCxnSpPr>
+        <p:spPr>
+          <a:xfrm flipV="1">
+            <a:off x="1627618" y="3745373"/>
+            <a:ext cx="0" cy="756105"/>
+          </a:xfrm>
+          <a:prstGeom prst="straightConnector1">
+            <a:avLst/>
+          </a:prstGeom>
+          <a:ln w="22225">
+            <a:solidFill>
+              <a:schemeClr val="accent6">
+                <a:lumMod val="60000"/>
+                <a:lumOff val="40000"/>
+              </a:schemeClr>
+            </a:solidFill>
+            <a:tailEnd type="arrow"/>
+          </a:ln>
+        </p:spPr>
+        <p:style>
+          <a:lnRef idx="1">
+            <a:schemeClr val="accent1"/>
+          </a:lnRef>
+          <a:fillRef idx="0">
+            <a:schemeClr val="accent1"/>
+          </a:fillRef>
+          <a:effectRef idx="0">
+            <a:schemeClr val="accent1"/>
+          </a:effectRef>
+          <a:fontRef idx="minor">
+            <a:schemeClr val="tx1"/>
+          </a:fontRef>
+        </p:style>
+      </p:cxnSp>
+      <p:cxnSp>
+        <p:nvCxnSpPr>
+          <p:cNvPr id="62" name="직선 화살표 연결선 61"/>
+          <p:cNvCxnSpPr>
+            <a:endCxn id="22" idx="1"/>
+          </p:cNvCxnSpPr>
+          <p:nvPr/>
+        </p:nvCxnSpPr>
+        <p:spPr>
+          <a:xfrm flipV="1">
+            <a:off x="2555775" y="1556698"/>
+            <a:ext cx="733346" cy="1"/>
+          </a:xfrm>
+          <a:prstGeom prst="straightConnector1">
+            <a:avLst/>
+          </a:prstGeom>
+          <a:ln w="22225">
+            <a:solidFill>
+              <a:schemeClr val="accent6">
+                <a:lumMod val="60000"/>
+                <a:lumOff val="40000"/>
+              </a:schemeClr>
+            </a:solidFill>
+            <a:tailEnd type="arrow"/>
+          </a:ln>
+        </p:spPr>
+        <p:style>
+          <a:lnRef idx="1">
+            <a:schemeClr val="accent1"/>
+          </a:lnRef>
+          <a:fillRef idx="0">
+            <a:schemeClr val="accent1"/>
+          </a:fillRef>
+          <a:effectRef idx="0">
+            <a:schemeClr val="accent1"/>
+          </a:effectRef>
+          <a:fontRef idx="minor">
+            <a:schemeClr val="tx1"/>
+          </a:fontRef>
+        </p:style>
+      </p:cxnSp>
     </p:spTree>
     <p:extLst>
       <p:ext uri="{BB962C8B-B14F-4D97-AF65-F5344CB8AC3E}">
-        <p14:creationId xmlns:p14="http://schemas.microsoft.com/office/powerpoint/2010/main" val="1972459451"/>
+        <p14:creationId xmlns:p14="http://schemas.microsoft.com/office/powerpoint/2010/main" val="3547706611"/>
       </p:ext>
     </p:extLst>
   </p:cSld>
@@ -6263,6 +8242,176 @@
         </p:nvSpPr>
         <p:spPr/>
         <p:txBody>
+          <a:bodyPr>
+            <a:normAutofit/>
+          </a:bodyPr>
+          <a:lstStyle/>
+          <a:p>
+            <a:r>
+              <a:rPr lang="ko-KR" altLang="en-US" sz="2000" dirty="0"/>
+              <a:t>빅데이터 솔루션 구성은 실시간으로 수집되는 대용량 데이터 처리를 수행할 수 있는 각각의 역할에 맞는 </a:t>
+            </a:r>
+            <a:r>
+              <a:rPr lang="ko-KR" altLang="en-US" sz="2000" dirty="0" err="1"/>
+              <a:t>하둡의</a:t>
+            </a:r>
+            <a:r>
+              <a:rPr lang="ko-KR" altLang="en-US" sz="2000" dirty="0"/>
+              <a:t> 서브프로젝트를 선정하여 하둡 에코시스템을 구성한다</a:t>
+            </a:r>
+            <a:r>
+              <a:rPr lang="en-US" altLang="ko-KR" sz="2000" dirty="0"/>
+              <a:t>. </a:t>
+            </a:r>
+          </a:p>
+          <a:p>
+            <a:r>
+              <a:rPr lang="ko-KR" altLang="en-US" sz="2000" dirty="0"/>
+              <a:t>첫번째로 초</a:t>
+            </a:r>
+            <a:r>
+              <a:rPr lang="en-US" altLang="ko-KR" sz="2000" dirty="0"/>
+              <a:t>,</a:t>
+            </a:r>
+            <a:r>
+              <a:rPr lang="ko-KR" altLang="en-US" sz="2000" dirty="0"/>
+              <a:t>분</a:t>
+            </a:r>
+            <a:r>
+              <a:rPr lang="en-US" altLang="ko-KR" sz="2000" dirty="0"/>
+              <a:t>,</a:t>
+            </a:r>
+            <a:r>
+              <a:rPr lang="ko-KR" altLang="en-US" sz="2000" dirty="0"/>
+              <a:t>시간 단위로 생성되는 데이터를 수집하기 위한 로그 시뮬레이터는 발생 주기에 따른 </a:t>
+            </a:r>
+            <a:r>
+              <a:rPr lang="ko-KR" altLang="en-US" sz="2000" dirty="0" err="1"/>
+              <a:t>로그정보를</a:t>
+            </a:r>
+            <a:r>
+              <a:rPr lang="ko-KR" altLang="en-US" sz="2000" dirty="0"/>
+              <a:t> 생성되도록 설정하며</a:t>
+            </a:r>
+            <a:r>
+              <a:rPr lang="en-US" altLang="ko-KR" sz="2000" dirty="0"/>
+              <a:t>, </a:t>
+            </a:r>
+            <a:r>
+              <a:rPr lang="ko-KR" altLang="en-US" sz="2000" dirty="0"/>
+              <a:t>실시간으로 생성되는 데이터 수집을 위한 수집 </a:t>
+            </a:r>
+            <a:r>
+              <a:rPr lang="en-US" altLang="ko-KR" sz="2000" dirty="0"/>
+              <a:t>- </a:t>
+            </a:r>
+            <a:r>
+              <a:rPr lang="ko-KR" altLang="en-US" sz="2000" dirty="0"/>
+              <a:t>적재 서브프로젝트를 선정한다</a:t>
+            </a:r>
+            <a:r>
+              <a:rPr lang="en-US" altLang="ko-KR" sz="2000" dirty="0"/>
+              <a:t>.  </a:t>
+            </a:r>
+            <a:r>
+              <a:rPr lang="ko-KR" altLang="en-US" sz="2000" dirty="0"/>
+              <a:t>적재된 데이터를 처리</a:t>
+            </a:r>
+            <a:r>
+              <a:rPr lang="en-US" altLang="ko-KR" sz="2000" dirty="0"/>
+              <a:t>-</a:t>
+            </a:r>
+            <a:r>
+              <a:rPr lang="ko-KR" altLang="en-US" sz="2000" dirty="0"/>
+              <a:t>탐색의 역할을 수행할 수 있는 </a:t>
+            </a:r>
+            <a:r>
+              <a:rPr lang="en-US" altLang="ko-KR" sz="2000" dirty="0"/>
+              <a:t>HIVE, IMPALA, SPARK </a:t>
+            </a:r>
+            <a:r>
+              <a:rPr lang="ko-KR" altLang="en-US" sz="2000" dirty="0"/>
+              <a:t>등 데이터 처리 형태에 맞는 서브 프로젝트를 구성하며</a:t>
+            </a:r>
+            <a:r>
+              <a:rPr lang="en-US" altLang="ko-KR" sz="2000" dirty="0"/>
+              <a:t>, </a:t>
+            </a:r>
+            <a:r>
+              <a:rPr lang="ko-KR" altLang="en-US" sz="2000" dirty="0"/>
+              <a:t>마지막으로 분석 및 응용 단계에서 가공된 데이터의 분석이 가능한 서브프로젝트를 선정한다</a:t>
+            </a:r>
+            <a:r>
+              <a:rPr lang="en-US" altLang="ko-KR" sz="2000" dirty="0"/>
+              <a:t>. </a:t>
+            </a:r>
+          </a:p>
+          <a:p>
+            <a:endParaRPr lang="ko-KR" altLang="en-US" sz="2000" dirty="0"/>
+          </a:p>
+        </p:txBody>
+      </p:sp>
+    </p:spTree>
+    <p:extLst>
+      <p:ext uri="{BB962C8B-B14F-4D97-AF65-F5344CB8AC3E}">
+        <p14:creationId xmlns:p14="http://schemas.microsoft.com/office/powerpoint/2010/main" val="1972459451"/>
+      </p:ext>
+    </p:extLst>
+  </p:cSld>
+  <p:clrMapOvr>
+    <a:masterClrMapping/>
+  </p:clrMapOvr>
+</p:sld>
+</file>
+
+<file path=ppt/slides/slide5.xml><?xml version="1.0" encoding="utf-8"?>
+<p:sld xmlns:a="http://schemas.openxmlformats.org/drawingml/2006/main" xmlns:r="http://schemas.openxmlformats.org/officeDocument/2006/relationships" xmlns:p="http://schemas.openxmlformats.org/presentationml/2006/main">
+  <p:cSld>
+    <p:spTree>
+      <p:nvGrpSpPr>
+        <p:cNvPr id="1" name=""/>
+        <p:cNvGrpSpPr/>
+        <p:nvPr/>
+      </p:nvGrpSpPr>
+      <p:grpSpPr>
+        <a:xfrm>
+          <a:off x="0" y="0"/>
+          <a:ext cx="0" cy="0"/>
+          <a:chOff x="0" y="0"/>
+          <a:chExt cx="0" cy="0"/>
+        </a:xfrm>
+      </p:grpSpPr>
+      <p:sp>
+        <p:nvSpPr>
+          <p:cNvPr id="2" name="제목 1"/>
+          <p:cNvSpPr>
+            <a:spLocks noGrp="1"/>
+          </p:cNvSpPr>
+          <p:nvPr>
+            <p:ph type="title"/>
+          </p:nvPr>
+        </p:nvSpPr>
+        <p:spPr/>
+        <p:txBody>
+          <a:bodyPr/>
+          <a:lstStyle/>
+          <a:p>
+            <a:endParaRPr lang="ko-KR" altLang="en-US"/>
+          </a:p>
+        </p:txBody>
+      </p:sp>
+      <p:sp>
+        <p:nvSpPr>
+          <p:cNvPr id="3" name="내용 개체 틀 2"/>
+          <p:cNvSpPr>
+            <a:spLocks noGrp="1"/>
+          </p:cNvSpPr>
+          <p:nvPr>
+            <p:ph idx="1"/>
+          </p:nvPr>
+        </p:nvSpPr>
+        <p:spPr/>
+        <p:txBody>
           <a:bodyPr/>
           <a:lstStyle/>
           <a:p>
@@ -6283,7 +8432,7 @@
 </p:sld>
 </file>
 
-<file path=ppt/slides/slide5.xml><?xml version="1.0" encoding="utf-8"?>
+<file path=ppt/slides/slide6.xml><?xml version="1.0" encoding="utf-8"?>
 <p:sld xmlns:a="http://schemas.openxmlformats.org/drawingml/2006/main" xmlns:r="http://schemas.openxmlformats.org/officeDocument/2006/relationships" xmlns:p="http://schemas.openxmlformats.org/presentationml/2006/main">
   <p:cSld>
     <p:spTree>
